--- a/diagrams/uml/objectDiagrams/objects/professorStudent.pptx
+++ b/diagrams/uml/objectDiagrams/objects/professorStudent.pptx
@@ -104,6 +104,22 @@
       </a:defRPr>
     </a:lvl9pPr>
   </p:defaultTextStyle>
+  <p:extLst>
+    <p:ext uri="{EFAFB233-063F-42B5-8137-9DF3F51BA10A}">
+      <p15:sldGuideLst xmlns:p15="http://schemas.microsoft.com/office/powerpoint/2012/main">
+        <p15:guide id="1" orient="horz" pos="2160">
+          <p15:clr>
+            <a:srgbClr val="A4A3A4"/>
+          </p15:clr>
+        </p15:guide>
+        <p15:guide id="2" pos="2880">
+          <p15:clr>
+            <a:srgbClr val="A4A3A4"/>
+          </p15:clr>
+        </p15:guide>
+      </p15:sldGuideLst>
+    </p:ext>
+  </p:extLst>
 </p:presentation>
 </file>
 
@@ -288,7 +304,7 @@
           <a:p>
             <a:fld id="{4FB10ECC-AC5B-49AB-A034-9A8058FE697D}" type="datetimeFigureOut">
               <a:rPr lang="en-SG" smtClean="0"/>
-              <a:t>8/6/2017</a:t>
+              <a:t>29/8/2017</a:t>
             </a:fld>
             <a:endParaRPr lang="en-SG"/>
           </a:p>
@@ -458,7 +474,7 @@
           <a:p>
             <a:fld id="{4FB10ECC-AC5B-49AB-A034-9A8058FE697D}" type="datetimeFigureOut">
               <a:rPr lang="en-SG" smtClean="0"/>
-              <a:t>8/6/2017</a:t>
+              <a:t>29/8/2017</a:t>
             </a:fld>
             <a:endParaRPr lang="en-SG"/>
           </a:p>
@@ -638,7 +654,7 @@
           <a:p>
             <a:fld id="{4FB10ECC-AC5B-49AB-A034-9A8058FE697D}" type="datetimeFigureOut">
               <a:rPr lang="en-SG" smtClean="0"/>
-              <a:t>8/6/2017</a:t>
+              <a:t>29/8/2017</a:t>
             </a:fld>
             <a:endParaRPr lang="en-SG"/>
           </a:p>
@@ -808,7 +824,7 @@
           <a:p>
             <a:fld id="{4FB10ECC-AC5B-49AB-A034-9A8058FE697D}" type="datetimeFigureOut">
               <a:rPr lang="en-SG" smtClean="0"/>
-              <a:t>8/6/2017</a:t>
+              <a:t>29/8/2017</a:t>
             </a:fld>
             <a:endParaRPr lang="en-SG"/>
           </a:p>
@@ -1054,7 +1070,7 @@
           <a:p>
             <a:fld id="{4FB10ECC-AC5B-49AB-A034-9A8058FE697D}" type="datetimeFigureOut">
               <a:rPr lang="en-SG" smtClean="0"/>
-              <a:t>8/6/2017</a:t>
+              <a:t>29/8/2017</a:t>
             </a:fld>
             <a:endParaRPr lang="en-SG"/>
           </a:p>
@@ -1342,7 +1358,7 @@
           <a:p>
             <a:fld id="{4FB10ECC-AC5B-49AB-A034-9A8058FE697D}" type="datetimeFigureOut">
               <a:rPr lang="en-SG" smtClean="0"/>
-              <a:t>8/6/2017</a:t>
+              <a:t>29/8/2017</a:t>
             </a:fld>
             <a:endParaRPr lang="en-SG"/>
           </a:p>
@@ -1764,7 +1780,7 @@
           <a:p>
             <a:fld id="{4FB10ECC-AC5B-49AB-A034-9A8058FE697D}" type="datetimeFigureOut">
               <a:rPr lang="en-SG" smtClean="0"/>
-              <a:t>8/6/2017</a:t>
+              <a:t>29/8/2017</a:t>
             </a:fld>
             <a:endParaRPr lang="en-SG"/>
           </a:p>
@@ -1882,7 +1898,7 @@
           <a:p>
             <a:fld id="{4FB10ECC-AC5B-49AB-A034-9A8058FE697D}" type="datetimeFigureOut">
               <a:rPr lang="en-SG" smtClean="0"/>
-              <a:t>8/6/2017</a:t>
+              <a:t>29/8/2017</a:t>
             </a:fld>
             <a:endParaRPr lang="en-SG"/>
           </a:p>
@@ -1977,7 +1993,7 @@
           <a:p>
             <a:fld id="{4FB10ECC-AC5B-49AB-A034-9A8058FE697D}" type="datetimeFigureOut">
               <a:rPr lang="en-SG" smtClean="0"/>
-              <a:t>8/6/2017</a:t>
+              <a:t>29/8/2017</a:t>
             </a:fld>
             <a:endParaRPr lang="en-SG"/>
           </a:p>
@@ -2254,7 +2270,7 @@
           <a:p>
             <a:fld id="{4FB10ECC-AC5B-49AB-A034-9A8058FE697D}" type="datetimeFigureOut">
               <a:rPr lang="en-SG" smtClean="0"/>
-              <a:t>8/6/2017</a:t>
+              <a:t>29/8/2017</a:t>
             </a:fld>
             <a:endParaRPr lang="en-SG"/>
           </a:p>
@@ -2507,7 +2523,7 @@
           <a:p>
             <a:fld id="{4FB10ECC-AC5B-49AB-A034-9A8058FE697D}" type="datetimeFigureOut">
               <a:rPr lang="en-SG" smtClean="0"/>
-              <a:t>8/6/2017</a:t>
+              <a:t>29/8/2017</a:t>
             </a:fld>
             <a:endParaRPr lang="en-SG"/>
           </a:p>
@@ -2720,7 +2736,7 @@
           <a:p>
             <a:fld id="{4FB10ECC-AC5B-49AB-A034-9A8058FE697D}" type="datetimeFigureOut">
               <a:rPr lang="en-SG" smtClean="0"/>
-              <a:t>8/6/2017</a:t>
+              <a:t>29/8/2017</a:t>
             </a:fld>
             <a:endParaRPr lang="en-SG"/>
           </a:p>
@@ -3103,7 +3119,7 @@
         </p:nvSpPr>
         <p:spPr>
           <a:xfrm>
-            <a:off x="440342" y="3288268"/>
+            <a:off x="234752" y="3288268"/>
             <a:ext cx="1828800" cy="369332"/>
           </a:xfrm>
           <a:prstGeom prst="rect">
@@ -3207,7 +3223,7 @@
         </p:nvSpPr>
         <p:spPr>
           <a:xfrm>
-            <a:off x="440342" y="3657600"/>
+            <a:off x="234752" y="3657600"/>
             <a:ext cx="1828800" cy="369332"/>
           </a:xfrm>
           <a:prstGeom prst="rect">
@@ -3243,6 +3259,145 @@
             <a:r>
               <a:rPr lang="en-US" dirty="0" smtClean="0"/>
               <a:t>name = “L. John”</a:t>
+            </a:r>
+            <a:endParaRPr lang="en-US" b="1" dirty="0" smtClean="0"/>
+          </a:p>
+        </p:txBody>
+      </p:sp>
+      <p:sp>
+        <p:nvSpPr>
+          <p:cNvPr id="5" name="Rectangle 4"/>
+          <p:cNvSpPr/>
+          <p:nvPr/>
+        </p:nvSpPr>
+        <p:spPr>
+          <a:xfrm>
+            <a:off x="4427984" y="3288268"/>
+            <a:ext cx="1524000" cy="369332"/>
+          </a:xfrm>
+          <a:prstGeom prst="rect">
+            <a:avLst/>
+          </a:prstGeom>
+        </p:spPr>
+        <p:style>
+          <a:lnRef idx="1">
+            <a:schemeClr val="accent6"/>
+          </a:lnRef>
+          <a:fillRef idx="2">
+            <a:schemeClr val="accent6"/>
+          </a:fillRef>
+          <a:effectRef idx="1">
+            <a:schemeClr val="accent6"/>
+          </a:effectRef>
+          <a:fontRef idx="minor">
+            <a:schemeClr val="dk1"/>
+          </a:fontRef>
+        </p:style>
+        <p:txBody>
+          <a:bodyPr wrap="square" rtlCol="0" anchor="ctr">
+            <a:spAutoFit/>
+          </a:bodyPr>
+          <a:lstStyle/>
+          <a:p>
+            <a:pPr algn="ctr"/>
+            <a:r>
+              <a:rPr lang="en-US" u="sng" dirty="0" smtClean="0"/>
+              <a:t>car1:Car</a:t>
+            </a:r>
+            <a:endParaRPr lang="en-US" dirty="0"/>
+          </a:p>
+        </p:txBody>
+      </p:sp>
+      <p:sp>
+        <p:nvSpPr>
+          <p:cNvPr id="9" name="Rectangle 8"/>
+          <p:cNvSpPr/>
+          <p:nvPr/>
+        </p:nvSpPr>
+        <p:spPr>
+          <a:xfrm>
+            <a:off x="6372200" y="3288268"/>
+            <a:ext cx="1828800" cy="369332"/>
+          </a:xfrm>
+          <a:prstGeom prst="rect">
+            <a:avLst/>
+          </a:prstGeom>
+        </p:spPr>
+        <p:style>
+          <a:lnRef idx="1">
+            <a:schemeClr val="accent3"/>
+          </a:lnRef>
+          <a:fillRef idx="2">
+            <a:schemeClr val="accent3"/>
+          </a:fillRef>
+          <a:effectRef idx="1">
+            <a:schemeClr val="accent3"/>
+          </a:effectRef>
+          <a:fontRef idx="minor">
+            <a:schemeClr val="dk1"/>
+          </a:fontRef>
+        </p:style>
+        <p:txBody>
+          <a:bodyPr wrap="square" rtlCol="0" anchor="ctr">
+            <a:spAutoFit/>
+          </a:bodyPr>
+          <a:lstStyle/>
+          <a:p>
+            <a:pPr algn="ctr"/>
+            <a:r>
+              <a:rPr lang="en-US" u="sng" dirty="0" smtClean="0"/>
+              <a:t>:Table</a:t>
+            </a:r>
+            <a:endParaRPr lang="en-US" b="1" u="sng" dirty="0" smtClean="0"/>
+          </a:p>
+        </p:txBody>
+      </p:sp>
+      <p:sp>
+        <p:nvSpPr>
+          <p:cNvPr id="10" name="Rectangle 9"/>
+          <p:cNvSpPr/>
+          <p:nvPr/>
+        </p:nvSpPr>
+        <p:spPr>
+          <a:xfrm>
+            <a:off x="6372200" y="3657600"/>
+            <a:ext cx="1828800" cy="369332"/>
+          </a:xfrm>
+          <a:prstGeom prst="rect">
+            <a:avLst/>
+          </a:prstGeom>
+        </p:spPr>
+        <p:style>
+          <a:lnRef idx="1">
+            <a:schemeClr val="accent3"/>
+          </a:lnRef>
+          <a:fillRef idx="2">
+            <a:schemeClr val="accent3"/>
+          </a:fillRef>
+          <a:effectRef idx="1">
+            <a:schemeClr val="accent3"/>
+          </a:effectRef>
+          <a:fontRef idx="minor">
+            <a:schemeClr val="dk1"/>
+          </a:fontRef>
+        </p:style>
+        <p:txBody>
+          <a:bodyPr wrap="square" rtlCol="0" anchor="ctr">
+            <a:spAutoFit/>
+          </a:bodyPr>
+          <a:lstStyle/>
+          <a:p>
+            <a:r>
+              <a:rPr lang="en-US" dirty="0" smtClean="0"/>
+              <a:t>height </a:t>
+            </a:r>
+            <a:r>
+              <a:rPr lang="en-US" dirty="0" smtClean="0"/>
+              <a:t>= </a:t>
+            </a:r>
+            <a:r>
+              <a:rPr lang="en-US" dirty="0" smtClean="0"/>
+              <a:t>1.2</a:t>
             </a:r>
             <a:endParaRPr lang="en-US" b="1" dirty="0" smtClean="0"/>
           </a:p>
